--- a/LogicLegends/documentation/LogicLegends-presentation.pptx
+++ b/LogicLegends/documentation/LogicLegends-presentation.pptx
@@ -8,28 +8,25 @@
     <p:sldId id="257" r:id="rId2"/>
     <p:sldId id="258" r:id="rId3"/>
     <p:sldId id="259" r:id="rId4"/>
-    <p:sldId id="260" r:id="rId5"/>
-    <p:sldId id="261" r:id="rId6"/>
-    <p:sldId id="262" r:id="rId7"/>
-    <p:sldId id="263" r:id="rId8"/>
-    <p:sldId id="264" r:id="rId9"/>
-    <p:sldId id="265" r:id="rId10"/>
-    <p:sldId id="266" r:id="rId11"/>
+    <p:sldId id="263" r:id="rId5"/>
+    <p:sldId id="264" r:id="rId6"/>
+    <p:sldId id="265" r:id="rId7"/>
+    <p:sldId id="266" r:id="rId8"/>
   </p:sldIdLst>
   <p:sldSz cx="18288000" cy="10287000"/>
   <p:notesSz cx="6858000" cy="9144000"/>
   <p:embeddedFontLst>
     <p:embeddedFont>
       <p:font typeface="Cy Grotesk Wide" panose="020B0604020202020204" charset="-52"/>
-      <p:regular r:id="rId12"/>
+      <p:regular r:id="rId9"/>
     </p:embeddedFont>
     <p:embeddedFont>
       <p:font typeface="Cy Grotesk Wide Bold" panose="020B0604020202020204" charset="-52"/>
-      <p:regular r:id="rId13"/>
+      <p:regular r:id="rId10"/>
     </p:embeddedFont>
     <p:embeddedFont>
       <p:font typeface="Lastica Bold" panose="020B0604020202020204" charset="0"/>
-      <p:regular r:id="rId14"/>
+      <p:regular r:id="rId11"/>
     </p:embeddedFont>
   </p:embeddedFontLst>
   <p:defaultTextStyle>
@@ -326,7 +323,7 @@
             <a:fld id="{1D8BD707-D9CF-40AE-B4C6-C98DA3205C09}" type="datetimeFigureOut">
               <a:rPr lang="en-US" smtClean="0"/>
               <a:pPr/>
-              <a:t>12/4/2025</a:t>
+              <a:t>12/7/2025</a:t>
             </a:fld>
             <a:endParaRPr lang="en-US"/>
           </a:p>
@@ -503,7 +500,7 @@
             <a:fld id="{1D8BD707-D9CF-40AE-B4C6-C98DA3205C09}" type="datetimeFigureOut">
               <a:rPr lang="en-US" smtClean="0"/>
               <a:pPr/>
-              <a:t>12/4/2025</a:t>
+              <a:t>12/7/2025</a:t>
             </a:fld>
             <a:endParaRPr lang="en-US"/>
           </a:p>
@@ -690,7 +687,7 @@
             <a:fld id="{1D8BD707-D9CF-40AE-B4C6-C98DA3205C09}" type="datetimeFigureOut">
               <a:rPr lang="en-US" smtClean="0"/>
               <a:pPr/>
-              <a:t>12/4/2025</a:t>
+              <a:t>12/7/2025</a:t>
             </a:fld>
             <a:endParaRPr lang="en-US"/>
           </a:p>
@@ -867,7 +864,7 @@
             <a:fld id="{1D8BD707-D9CF-40AE-B4C6-C98DA3205C09}" type="datetimeFigureOut">
               <a:rPr lang="en-US" smtClean="0"/>
               <a:pPr/>
-              <a:t>12/4/2025</a:t>
+              <a:t>12/7/2025</a:t>
             </a:fld>
             <a:endParaRPr lang="en-US"/>
           </a:p>
@@ -1121,7 +1118,7 @@
             <a:fld id="{1D8BD707-D9CF-40AE-B4C6-C98DA3205C09}" type="datetimeFigureOut">
               <a:rPr lang="en-US" smtClean="0"/>
               <a:pPr/>
-              <a:t>12/4/2025</a:t>
+              <a:t>12/7/2025</a:t>
             </a:fld>
             <a:endParaRPr lang="en-US"/>
           </a:p>
@@ -1415,7 +1412,7 @@
             <a:fld id="{1D8BD707-D9CF-40AE-B4C6-C98DA3205C09}" type="datetimeFigureOut">
               <a:rPr lang="en-US" smtClean="0"/>
               <a:pPr/>
-              <a:t>12/4/2025</a:t>
+              <a:t>12/7/2025</a:t>
             </a:fld>
             <a:endParaRPr lang="en-US"/>
           </a:p>
@@ -1843,7 +1840,7 @@
             <a:fld id="{1D8BD707-D9CF-40AE-B4C6-C98DA3205C09}" type="datetimeFigureOut">
               <a:rPr lang="en-US" smtClean="0"/>
               <a:pPr/>
-              <a:t>12/4/2025</a:t>
+              <a:t>12/7/2025</a:t>
             </a:fld>
             <a:endParaRPr lang="en-US"/>
           </a:p>
@@ -1969,7 +1966,7 @@
             <a:fld id="{1D8BD707-D9CF-40AE-B4C6-C98DA3205C09}" type="datetimeFigureOut">
               <a:rPr lang="en-US" smtClean="0"/>
               <a:pPr/>
-              <a:t>12/4/2025</a:t>
+              <a:t>12/7/2025</a:t>
             </a:fld>
             <a:endParaRPr lang="en-US"/>
           </a:p>
@@ -2073,7 +2070,7 @@
             <a:fld id="{1D8BD707-D9CF-40AE-B4C6-C98DA3205C09}" type="datetimeFigureOut">
               <a:rPr lang="en-US" smtClean="0"/>
               <a:pPr/>
-              <a:t>12/4/2025</a:t>
+              <a:t>12/7/2025</a:t>
             </a:fld>
             <a:endParaRPr lang="en-US"/>
           </a:p>
@@ -2357,7 +2354,7 @@
             <a:fld id="{1D8BD707-D9CF-40AE-B4C6-C98DA3205C09}" type="datetimeFigureOut">
               <a:rPr lang="en-US" smtClean="0"/>
               <a:pPr/>
-              <a:t>12/4/2025</a:t>
+              <a:t>12/7/2025</a:t>
             </a:fld>
             <a:endParaRPr lang="en-US"/>
           </a:p>
@@ -2618,7 +2615,7 @@
             <a:fld id="{1D8BD707-D9CF-40AE-B4C6-C98DA3205C09}" type="datetimeFigureOut">
               <a:rPr lang="en-US" smtClean="0"/>
               <a:pPr/>
-              <a:t>12/4/2025</a:t>
+              <a:t>12/7/2025</a:t>
             </a:fld>
             <a:endParaRPr lang="en-US"/>
           </a:p>
@@ -2838,7 +2835,7 @@
             <a:fld id="{1D8BD707-D9CF-40AE-B4C6-C98DA3205C09}" type="datetimeFigureOut">
               <a:rPr lang="en-US" smtClean="0"/>
               <a:pPr/>
-              <a:t>12/4/2025</a:t>
+              <a:t>12/7/2025</a:t>
             </a:fld>
             <a:endParaRPr lang="en-US"/>
           </a:p>
@@ -3461,263 +3458,6 @@
 </p:sld>
 </file>
 
-<file path=ppt/slides/slide10.xml><?xml version="1.0" encoding="utf-8"?>
-<p:sld xmlns:a="http://schemas.openxmlformats.org/drawingml/2006/main" xmlns:r="http://schemas.openxmlformats.org/officeDocument/2006/relationships" xmlns:p="http://schemas.openxmlformats.org/presentationml/2006/main">
-  <p:cSld>
-    <p:bg>
-      <p:bgPr>
-        <a:solidFill>
-          <a:srgbClr val="FFFCF6"/>
-        </a:solidFill>
-        <a:effectLst/>
-      </p:bgPr>
-    </p:bg>
-    <p:spTree>
-      <p:nvGrpSpPr>
-        <p:cNvPr id="1" name=""/>
-        <p:cNvGrpSpPr/>
-        <p:nvPr/>
-      </p:nvGrpSpPr>
-      <p:grpSpPr>
-        <a:xfrm>
-          <a:off x="0" y="0"/>
-          <a:ext cx="0" cy="0"/>
-          <a:chOff x="0" y="0"/>
-          <a:chExt cx="0" cy="0"/>
-        </a:xfrm>
-      </p:grpSpPr>
-      <p:sp>
-        <p:nvSpPr>
-          <p:cNvPr id="2" name="Freeform 2"/>
-          <p:cNvSpPr/>
-          <p:nvPr/>
-        </p:nvSpPr>
-        <p:spPr>
-          <a:xfrm>
-            <a:off x="-1357342" y="4581047"/>
-            <a:ext cx="8734653" cy="8996365"/>
-          </a:xfrm>
-          <a:custGeom>
-            <a:avLst/>
-            <a:gdLst/>
-            <a:ahLst/>
-            <a:cxnLst/>
-            <a:rect l="l" t="t" r="r" b="b"/>
-            <a:pathLst>
-              <a:path w="8734653" h="8996365">
-                <a:moveTo>
-                  <a:pt x="0" y="0"/>
-                </a:moveTo>
-                <a:lnTo>
-                  <a:pt x="8734652" y="0"/>
-                </a:lnTo>
-                <a:lnTo>
-                  <a:pt x="8734652" y="8996366"/>
-                </a:lnTo>
-                <a:lnTo>
-                  <a:pt x="0" y="8996366"/>
-                </a:lnTo>
-                <a:lnTo>
-                  <a:pt x="0" y="0"/>
-                </a:lnTo>
-                <a:close/>
-              </a:path>
-            </a:pathLst>
-          </a:custGeom>
-          <a:blipFill>
-            <a:blip r:embed="rId2">
-              <a:extLst>
-                <a:ext uri="{96DAC541-7B7A-43D3-8B79-37D633B846F1}">
-                  <asvg:svgBlip xmlns:asvg="http://schemas.microsoft.com/office/drawing/2016/SVG/main" r:embed="rId3"/>
-                </a:ext>
-              </a:extLst>
-            </a:blip>
-            <a:stretch>
-              <a:fillRect/>
-            </a:stretch>
-          </a:blipFill>
-        </p:spPr>
-        <p:txBody>
-          <a:bodyPr/>
-          <a:lstStyle/>
-          <a:p>
-            <a:endParaRPr lang="bg-BG"/>
-          </a:p>
-        </p:txBody>
-      </p:sp>
-      <p:sp>
-        <p:nvSpPr>
-          <p:cNvPr id="3" name="Freeform 3"/>
-          <p:cNvSpPr/>
-          <p:nvPr/>
-        </p:nvSpPr>
-        <p:spPr>
-          <a:xfrm>
-            <a:off x="12891974" y="-5120206"/>
-            <a:ext cx="8734653" cy="8996365"/>
-          </a:xfrm>
-          <a:custGeom>
-            <a:avLst/>
-            <a:gdLst/>
-            <a:ahLst/>
-            <a:cxnLst/>
-            <a:rect l="l" t="t" r="r" b="b"/>
-            <a:pathLst>
-              <a:path w="8734653" h="8996365">
-                <a:moveTo>
-                  <a:pt x="0" y="0"/>
-                </a:moveTo>
-                <a:lnTo>
-                  <a:pt x="8734652" y="0"/>
-                </a:lnTo>
-                <a:lnTo>
-                  <a:pt x="8734652" y="8996365"/>
-                </a:lnTo>
-                <a:lnTo>
-                  <a:pt x="0" y="8996365"/>
-                </a:lnTo>
-                <a:lnTo>
-                  <a:pt x="0" y="0"/>
-                </a:lnTo>
-                <a:close/>
-              </a:path>
-            </a:pathLst>
-          </a:custGeom>
-          <a:blipFill>
-            <a:blip r:embed="rId4">
-              <a:extLst>
-                <a:ext uri="{96DAC541-7B7A-43D3-8B79-37D633B846F1}">
-                  <asvg:svgBlip xmlns:asvg="http://schemas.microsoft.com/office/drawing/2016/SVG/main" r:embed="rId5"/>
-                </a:ext>
-              </a:extLst>
-            </a:blip>
-            <a:stretch>
-              <a:fillRect/>
-            </a:stretch>
-          </a:blipFill>
-        </p:spPr>
-        <p:txBody>
-          <a:bodyPr/>
-          <a:lstStyle/>
-          <a:p>
-            <a:endParaRPr lang="bg-BG"/>
-          </a:p>
-        </p:txBody>
-      </p:sp>
-      <p:sp>
-        <p:nvSpPr>
-          <p:cNvPr id="4" name="Freeform 4"/>
-          <p:cNvSpPr/>
-          <p:nvPr/>
-        </p:nvSpPr>
-        <p:spPr>
-          <a:xfrm>
-            <a:off x="0" y="0"/>
-            <a:ext cx="2838804" cy="2838804"/>
-          </a:xfrm>
-          <a:custGeom>
-            <a:avLst/>
-            <a:gdLst/>
-            <a:ahLst/>
-            <a:cxnLst/>
-            <a:rect l="l" t="t" r="r" b="b"/>
-            <a:pathLst>
-              <a:path w="2838804" h="2838804">
-                <a:moveTo>
-                  <a:pt x="0" y="0"/>
-                </a:moveTo>
-                <a:lnTo>
-                  <a:pt x="2838804" y="0"/>
-                </a:lnTo>
-                <a:lnTo>
-                  <a:pt x="2838804" y="2838804"/>
-                </a:lnTo>
-                <a:lnTo>
-                  <a:pt x="0" y="2838804"/>
-                </a:lnTo>
-                <a:lnTo>
-                  <a:pt x="0" y="0"/>
-                </a:lnTo>
-                <a:close/>
-              </a:path>
-            </a:pathLst>
-          </a:custGeom>
-          <a:blipFill>
-            <a:blip r:embed="rId6"/>
-            <a:stretch>
-              <a:fillRect/>
-            </a:stretch>
-          </a:blipFill>
-        </p:spPr>
-        <p:txBody>
-          <a:bodyPr/>
-          <a:lstStyle/>
-          <a:p>
-            <a:endParaRPr lang="bg-BG"/>
-          </a:p>
-        </p:txBody>
-      </p:sp>
-      <p:sp>
-        <p:nvSpPr>
-          <p:cNvPr id="5" name="TextBox 5"/>
-          <p:cNvSpPr txBox="1"/>
-          <p:nvPr/>
-        </p:nvSpPr>
-        <p:spPr>
-          <a:xfrm>
-            <a:off x="2127816" y="2744127"/>
-            <a:ext cx="14032368" cy="3388091"/>
-          </a:xfrm>
-          <a:prstGeom prst="rect">
-            <a:avLst/>
-          </a:prstGeom>
-        </p:spPr>
-        <p:txBody>
-          <a:bodyPr lIns="0" tIns="0" rIns="0" bIns="0" rtlCol="0" anchor="t">
-            <a:spAutoFit/>
-          </a:bodyPr>
-          <a:lstStyle/>
-          <a:p>
-            <a:pPr algn="ctr">
-              <a:lnSpc>
-                <a:spcPts val="13216"/>
-              </a:lnSpc>
-            </a:pPr>
-            <a:r>
-              <a:rPr lang="en-US" sz="9440" b="1" spc="1123">
-                <a:solidFill>
-                  <a:srgbClr val="3C6CA8"/>
-                </a:solidFill>
-                <a:latin typeface="Lastica Bold"/>
-                <a:ea typeface="Lastica Bold"/>
-                <a:cs typeface="Lastica Bold"/>
-                <a:sym typeface="Lastica Bold"/>
-              </a:rPr>
-              <a:t>Thanks for your time!</a:t>
-            </a:r>
-          </a:p>
-        </p:txBody>
-      </p:sp>
-    </p:spTree>
-  </p:cSld>
-  <p:clrMapOvr>
-    <a:masterClrMapping/>
-  </p:clrMapOvr>
-  <mc:AlternateContent xmlns:mc="http://schemas.openxmlformats.org/markup-compatibility/2006" xmlns:p159="http://schemas.microsoft.com/office/powerpoint/2015/09/main">
-    <mc:Choice Requires="p159">
-      <p:transition xmlns:p14="http://schemas.microsoft.com/office/powerpoint/2010/main" spd="slow" p14:dur="2000">
-        <p159:morph option="byWord"/>
-      </p:transition>
-    </mc:Choice>
-    <mc:Fallback xmlns="">
-      <p:transition spd="slow">
-        <p:fade/>
-      </p:transition>
-    </mc:Fallback>
-  </mc:AlternateContent>
-</p:sld>
-</file>
-
 <file path=ppt/slides/slide2.xml><?xml version="1.0" encoding="utf-8"?>
 <p:sld xmlns:a="http://schemas.openxmlformats.org/drawingml/2006/main" xmlns:r="http://schemas.openxmlformats.org/officeDocument/2006/relationships" xmlns:p="http://schemas.openxmlformats.org/presentationml/2006/main">
   <p:cSld>
@@ -3941,7 +3681,7 @@
               </a:lnSpc>
             </a:pPr>
             <a:r>
-              <a:rPr lang="en-US" sz="2732">
+              <a:rPr lang="en-US" sz="2732" dirty="0">
                 <a:solidFill>
                   <a:srgbClr val="3C6CA8"/>
                 </a:solidFill>
@@ -3960,7 +3700,7 @@
               </a:lnSpc>
             </a:pPr>
             <a:r>
-              <a:rPr lang="en-US" sz="2732">
+              <a:rPr lang="en-US" sz="2732" dirty="0">
                 <a:solidFill>
                   <a:srgbClr val="3C6CA8"/>
                 </a:solidFill>
@@ -3979,7 +3719,7 @@
               </a:lnSpc>
             </a:pPr>
             <a:r>
-              <a:rPr lang="en-US" sz="2732">
+              <a:rPr lang="en-US" sz="2732" dirty="0">
                 <a:solidFill>
                   <a:srgbClr val="3C6CA8"/>
                 </a:solidFill>
@@ -3998,7 +3738,7 @@
               </a:lnSpc>
             </a:pPr>
             <a:r>
-              <a:rPr lang="en-US" sz="2732">
+              <a:rPr lang="en-US" sz="2732" dirty="0">
                 <a:solidFill>
                   <a:srgbClr val="3C6CA8"/>
                 </a:solidFill>
@@ -4016,7 +3756,7 @@
                 <a:spcPts val="2969"/>
               </a:lnSpc>
             </a:pPr>
-            <a:endParaRPr lang="en-US" sz="2732">
+            <a:endParaRPr lang="en-US" sz="2732" dirty="0">
               <a:solidFill>
                 <a:srgbClr val="3C6CA8"/>
               </a:solidFill>
@@ -4122,7 +3862,7 @@
         </p:nvSpPr>
         <p:spPr>
           <a:xfrm>
-            <a:off x="-1357342" y="4581047"/>
+            <a:off x="-914400" y="4686300"/>
             <a:ext cx="8734653" cy="8996365"/>
           </a:xfrm>
           <a:custGeom>
@@ -4314,7 +4054,7 @@
               <a:buChar char="•"/>
             </a:pPr>
             <a:r>
-              <a:rPr lang="en-US" sz="2732">
+              <a:rPr lang="en-US" sz="2732" dirty="0">
                 <a:solidFill>
                   <a:srgbClr val="3C6CA8"/>
                 </a:solidFill>
@@ -4335,7 +4075,7 @@
               <a:buChar char="•"/>
             </a:pPr>
             <a:r>
-              <a:rPr lang="en-US" sz="2732">
+              <a:rPr lang="en-US" sz="2732" dirty="0">
                 <a:solidFill>
                   <a:srgbClr val="3C6CA8"/>
                 </a:solidFill>
@@ -4356,7 +4096,7 @@
               <a:buChar char="•"/>
             </a:pPr>
             <a:r>
-              <a:rPr lang="en-US" sz="2732">
+              <a:rPr lang="en-US" sz="2732" dirty="0">
                 <a:solidFill>
                   <a:srgbClr val="3C6CA8"/>
                 </a:solidFill>
@@ -4377,7 +4117,7 @@
               <a:buChar char="•"/>
             </a:pPr>
             <a:r>
-              <a:rPr lang="en-US" sz="2732">
+              <a:rPr lang="en-US" sz="2732" dirty="0">
                 <a:solidFill>
                   <a:srgbClr val="3C6CA8"/>
                 </a:solidFill>
@@ -4398,7 +4138,7 @@
               <a:buChar char="•"/>
             </a:pPr>
             <a:r>
-              <a:rPr lang="en-US" sz="2732">
+              <a:rPr lang="en-US" sz="2732" dirty="0">
                 <a:solidFill>
                   <a:srgbClr val="3C6CA8"/>
                 </a:solidFill>
@@ -4419,7 +4159,7 @@
               <a:buChar char="•"/>
             </a:pPr>
             <a:r>
-              <a:rPr lang="en-US" sz="2732">
+              <a:rPr lang="en-US" sz="2732" dirty="0">
                 <a:solidFill>
                   <a:srgbClr val="3C6CA8"/>
                 </a:solidFill>
@@ -4440,7 +4180,7 @@
               <a:buChar char="•"/>
             </a:pPr>
             <a:r>
-              <a:rPr lang="en-US" sz="2732">
+              <a:rPr lang="en-US" sz="2732" dirty="0">
                 <a:solidFill>
                   <a:srgbClr val="3C6CA8"/>
                 </a:solidFill>
@@ -4719,8 +4459,8 @@
         </p:nvSpPr>
         <p:spPr>
           <a:xfrm>
-            <a:off x="7940960" y="6096381"/>
-            <a:ext cx="9902028" cy="2058473"/>
+            <a:off x="7735220" y="5890641"/>
+            <a:ext cx="9902028" cy="2079174"/>
           </a:xfrm>
           <a:prstGeom prst="rect">
             <a:avLst/>
@@ -4732,7 +4472,7 @@
           </a:bodyPr>
           <a:lstStyle/>
           <a:p>
-            <a:pPr marL="589889" lvl="1" indent="-294945" algn="just">
+            <a:pPr marL="589890" lvl="1" indent="-294945" algn="just">
               <a:lnSpc>
                 <a:spcPts val="2732"/>
               </a:lnSpc>
@@ -4749,11 +4489,11 @@
                 <a:cs typeface="Cy Grotesk Wide"/>
                 <a:sym typeface="Cy Grotesk Wide"/>
               </a:rPr>
-              <a:t>Grid size: 4×4</a:t>
-            </a:r>
-          </a:p>
-          <a:p>
-            <a:pPr marL="589889" lvl="1" indent="-294945" algn="just">
+              <a:t>Three difficulty levels with unique rules</a:t>
+            </a:r>
+          </a:p>
+          <a:p>
+            <a:pPr marL="589890" lvl="1" indent="-294945" algn="just">
               <a:lnSpc>
                 <a:spcPts val="2732"/>
               </a:lnSpc>
@@ -4770,11 +4510,11 @@
                 <a:cs typeface="Cy Grotesk Wide"/>
                 <a:sym typeface="Cy Grotesk Wide"/>
               </a:rPr>
-              <a:t>Lives: 4</a:t>
-            </a:r>
-          </a:p>
-          <a:p>
-            <a:pPr marL="589889" lvl="1" indent="-294945" algn="just">
+              <a:t>Randomly generated math challenges</a:t>
+            </a:r>
+          </a:p>
+          <a:p>
+            <a:pPr marL="589890" lvl="1" indent="-294945" algn="just">
               <a:lnSpc>
                 <a:spcPts val="2732"/>
               </a:lnSpc>
@@ -4791,11 +4531,11 @@
                 <a:cs typeface="Cy Grotesk Wide"/>
                 <a:sym typeface="Cy Grotesk Wide"/>
               </a:rPr>
-              <a:t>Points per correct answer: 5–10</a:t>
-            </a:r>
-          </a:p>
-          <a:p>
-            <a:pPr marL="589889" lvl="1" indent="-294945" algn="just">
+              <a:t>Grid-based movement system</a:t>
+            </a:r>
+          </a:p>
+          <a:p>
+            <a:pPr marL="589890" lvl="1" indent="-294945" algn="just">
               <a:lnSpc>
                 <a:spcPts val="2732"/>
               </a:lnSpc>
@@ -4812,11 +4552,11 @@
                 <a:cs typeface="Cy Grotesk Wide"/>
                 <a:sym typeface="Cy Grotesk Wide"/>
               </a:rPr>
-              <a:t>Task types: addition and subtraction (numbers from 1 to 20)</a:t>
-            </a:r>
-          </a:p>
-          <a:p>
-            <a:pPr marL="589889" lvl="1" indent="-294945" algn="just">
+              <a:t>Lives, points, bonus cells, and traps</a:t>
+            </a:r>
+          </a:p>
+          <a:p>
+            <a:pPr marL="589890" lvl="1" indent="-294945" algn="just">
               <a:lnSpc>
                 <a:spcPts val="2732"/>
               </a:lnSpc>
@@ -4833,8 +4573,24 @@
                 <a:cs typeface="Cy Grotesk Wide"/>
                 <a:sym typeface="Cy Grotesk Wide"/>
               </a:rPr>
-              <a:t>No traps or special cells</a:t>
-            </a:r>
+              <a:t>Increasing complexity from Easy to Hard</a:t>
+            </a:r>
+          </a:p>
+          <a:p>
+            <a:pPr algn="just">
+              <a:lnSpc>
+                <a:spcPts val="2732"/>
+              </a:lnSpc>
+            </a:pPr>
+            <a:endParaRPr lang="en-US" sz="2732">
+              <a:solidFill>
+                <a:srgbClr val="3C6CA8"/>
+              </a:solidFill>
+              <a:latin typeface="Cy Grotesk Wide"/>
+              <a:ea typeface="Cy Grotesk Wide"/>
+              <a:cs typeface="Cy Grotesk Wide"/>
+              <a:sym typeface="Cy Grotesk Wide"/>
+            </a:endParaRPr>
           </a:p>
         </p:txBody>
       </p:sp>
@@ -4874,7 +4630,7 @@
                 <a:cs typeface="Lastica Bold"/>
                 <a:sym typeface="Lastica Bold"/>
               </a:rPr>
-              <a:t>Easy Mode</a:t>
+              <a:t>Features</a:t>
             </a:r>
           </a:p>
         </p:txBody>
@@ -4900,1374 +4656,6 @@
 </file>
 
 <file path=ppt/slides/slide5.xml><?xml version="1.0" encoding="utf-8"?>
-<p:sld xmlns:a="http://schemas.openxmlformats.org/drawingml/2006/main" xmlns:r="http://schemas.openxmlformats.org/officeDocument/2006/relationships" xmlns:p="http://schemas.openxmlformats.org/presentationml/2006/main">
-  <p:cSld>
-    <p:bg>
-      <p:bgPr>
-        <a:solidFill>
-          <a:srgbClr val="FFFCF6"/>
-        </a:solidFill>
-        <a:effectLst/>
-      </p:bgPr>
-    </p:bg>
-    <p:spTree>
-      <p:nvGrpSpPr>
-        <p:cNvPr id="1" name=""/>
-        <p:cNvGrpSpPr/>
-        <p:nvPr/>
-      </p:nvGrpSpPr>
-      <p:grpSpPr>
-        <a:xfrm>
-          <a:off x="0" y="0"/>
-          <a:ext cx="0" cy="0"/>
-          <a:chOff x="0" y="0"/>
-          <a:chExt cx="0" cy="0"/>
-        </a:xfrm>
-      </p:grpSpPr>
-      <p:sp>
-        <p:nvSpPr>
-          <p:cNvPr id="2" name="Freeform 2"/>
-          <p:cNvSpPr/>
-          <p:nvPr/>
-        </p:nvSpPr>
-        <p:spPr>
-          <a:xfrm>
-            <a:off x="-1357342" y="4581047"/>
-            <a:ext cx="8734653" cy="8996365"/>
-          </a:xfrm>
-          <a:custGeom>
-            <a:avLst/>
-            <a:gdLst/>
-            <a:ahLst/>
-            <a:cxnLst/>
-            <a:rect l="l" t="t" r="r" b="b"/>
-            <a:pathLst>
-              <a:path w="8734653" h="8996365">
-                <a:moveTo>
-                  <a:pt x="0" y="0"/>
-                </a:moveTo>
-                <a:lnTo>
-                  <a:pt x="8734652" y="0"/>
-                </a:lnTo>
-                <a:lnTo>
-                  <a:pt x="8734652" y="8996366"/>
-                </a:lnTo>
-                <a:lnTo>
-                  <a:pt x="0" y="8996366"/>
-                </a:lnTo>
-                <a:lnTo>
-                  <a:pt x="0" y="0"/>
-                </a:lnTo>
-                <a:close/>
-              </a:path>
-            </a:pathLst>
-          </a:custGeom>
-          <a:blipFill>
-            <a:blip r:embed="rId2">
-              <a:extLst>
-                <a:ext uri="{96DAC541-7B7A-43D3-8B79-37D633B846F1}">
-                  <asvg:svgBlip xmlns:asvg="http://schemas.microsoft.com/office/drawing/2016/SVG/main" r:embed="rId3"/>
-                </a:ext>
-              </a:extLst>
-            </a:blip>
-            <a:stretch>
-              <a:fillRect/>
-            </a:stretch>
-          </a:blipFill>
-        </p:spPr>
-        <p:txBody>
-          <a:bodyPr/>
-          <a:lstStyle/>
-          <a:p>
-            <a:endParaRPr lang="bg-BG"/>
-          </a:p>
-        </p:txBody>
-      </p:sp>
-      <p:sp>
-        <p:nvSpPr>
-          <p:cNvPr id="3" name="Freeform 3"/>
-          <p:cNvSpPr/>
-          <p:nvPr/>
-        </p:nvSpPr>
-        <p:spPr>
-          <a:xfrm>
-            <a:off x="12891974" y="-5120206"/>
-            <a:ext cx="8734653" cy="8996365"/>
-          </a:xfrm>
-          <a:custGeom>
-            <a:avLst/>
-            <a:gdLst/>
-            <a:ahLst/>
-            <a:cxnLst/>
-            <a:rect l="l" t="t" r="r" b="b"/>
-            <a:pathLst>
-              <a:path w="8734653" h="8996365">
-                <a:moveTo>
-                  <a:pt x="0" y="0"/>
-                </a:moveTo>
-                <a:lnTo>
-                  <a:pt x="8734652" y="0"/>
-                </a:lnTo>
-                <a:lnTo>
-                  <a:pt x="8734652" y="8996365"/>
-                </a:lnTo>
-                <a:lnTo>
-                  <a:pt x="0" y="8996365"/>
-                </a:lnTo>
-                <a:lnTo>
-                  <a:pt x="0" y="0"/>
-                </a:lnTo>
-                <a:close/>
-              </a:path>
-            </a:pathLst>
-          </a:custGeom>
-          <a:blipFill>
-            <a:blip r:embed="rId4">
-              <a:extLst>
-                <a:ext uri="{96DAC541-7B7A-43D3-8B79-37D633B846F1}">
-                  <asvg:svgBlip xmlns:asvg="http://schemas.microsoft.com/office/drawing/2016/SVG/main" r:embed="rId5"/>
-                </a:ext>
-              </a:extLst>
-            </a:blip>
-            <a:stretch>
-              <a:fillRect/>
-            </a:stretch>
-          </a:blipFill>
-        </p:spPr>
-        <p:txBody>
-          <a:bodyPr/>
-          <a:lstStyle/>
-          <a:p>
-            <a:endParaRPr lang="bg-BG"/>
-          </a:p>
-        </p:txBody>
-      </p:sp>
-      <p:sp>
-        <p:nvSpPr>
-          <p:cNvPr id="4" name="Freeform 4"/>
-          <p:cNvSpPr/>
-          <p:nvPr/>
-        </p:nvSpPr>
-        <p:spPr>
-          <a:xfrm>
-            <a:off x="0" y="0"/>
-            <a:ext cx="2838804" cy="2838804"/>
-          </a:xfrm>
-          <a:custGeom>
-            <a:avLst/>
-            <a:gdLst/>
-            <a:ahLst/>
-            <a:cxnLst/>
-            <a:rect l="l" t="t" r="r" b="b"/>
-            <a:pathLst>
-              <a:path w="2838804" h="2838804">
-                <a:moveTo>
-                  <a:pt x="0" y="0"/>
-                </a:moveTo>
-                <a:lnTo>
-                  <a:pt x="2838804" y="0"/>
-                </a:lnTo>
-                <a:lnTo>
-                  <a:pt x="2838804" y="2838804"/>
-                </a:lnTo>
-                <a:lnTo>
-                  <a:pt x="0" y="2838804"/>
-                </a:lnTo>
-                <a:lnTo>
-                  <a:pt x="0" y="0"/>
-                </a:lnTo>
-                <a:close/>
-              </a:path>
-            </a:pathLst>
-          </a:custGeom>
-          <a:blipFill>
-            <a:blip r:embed="rId6"/>
-            <a:stretch>
-              <a:fillRect/>
-            </a:stretch>
-          </a:blipFill>
-        </p:spPr>
-        <p:txBody>
-          <a:bodyPr/>
-          <a:lstStyle/>
-          <a:p>
-            <a:endParaRPr lang="bg-BG"/>
-          </a:p>
-        </p:txBody>
-      </p:sp>
-      <p:sp>
-        <p:nvSpPr>
-          <p:cNvPr id="5" name="TextBox 5"/>
-          <p:cNvSpPr txBox="1"/>
-          <p:nvPr/>
-        </p:nvSpPr>
-        <p:spPr>
-          <a:xfrm>
-            <a:off x="7940960" y="6096381"/>
-            <a:ext cx="9902028" cy="3450774"/>
-          </a:xfrm>
-          <a:prstGeom prst="rect">
-            <a:avLst/>
-          </a:prstGeom>
-        </p:spPr>
-        <p:txBody>
-          <a:bodyPr lIns="0" tIns="0" rIns="0" bIns="0" rtlCol="0" anchor="t">
-            <a:spAutoFit/>
-          </a:bodyPr>
-          <a:lstStyle/>
-          <a:p>
-            <a:pPr marL="589890" lvl="1" indent="-294945" algn="just">
-              <a:lnSpc>
-                <a:spcPts val="2732"/>
-              </a:lnSpc>
-              <a:buFont typeface="Arial"/>
-              <a:buChar char="•"/>
-            </a:pPr>
-            <a:r>
-              <a:rPr lang="en-US" sz="2732">
-                <a:solidFill>
-                  <a:srgbClr val="3C6CA8"/>
-                </a:solidFill>
-                <a:latin typeface="Cy Grotesk Wide"/>
-                <a:ea typeface="Cy Grotesk Wide"/>
-                <a:cs typeface="Cy Grotesk Wide"/>
-                <a:sym typeface="Cy Grotesk Wide"/>
-              </a:rPr>
-              <a:t>Grid size: 5×5</a:t>
-            </a:r>
-          </a:p>
-          <a:p>
-            <a:pPr marL="589890" lvl="1" indent="-294945" algn="just">
-              <a:lnSpc>
-                <a:spcPts val="2732"/>
-              </a:lnSpc>
-              <a:buFont typeface="Arial"/>
-              <a:buChar char="•"/>
-            </a:pPr>
-            <a:r>
-              <a:rPr lang="en-US" sz="2732">
-                <a:solidFill>
-                  <a:srgbClr val="3C6CA8"/>
-                </a:solidFill>
-                <a:latin typeface="Cy Grotesk Wide"/>
-                <a:ea typeface="Cy Grotesk Wide"/>
-                <a:cs typeface="Cy Grotesk Wide"/>
-                <a:sym typeface="Cy Grotesk Wide"/>
-              </a:rPr>
-              <a:t>Lives: 3</a:t>
-            </a:r>
-          </a:p>
-          <a:p>
-            <a:pPr marL="589890" lvl="1" indent="-294945" algn="just">
-              <a:lnSpc>
-                <a:spcPts val="2732"/>
-              </a:lnSpc>
-              <a:buFont typeface="Arial"/>
-              <a:buChar char="•"/>
-            </a:pPr>
-            <a:r>
-              <a:rPr lang="en-US" sz="2732">
-                <a:solidFill>
-                  <a:srgbClr val="3C6CA8"/>
-                </a:solidFill>
-                <a:latin typeface="Cy Grotesk Wide"/>
-                <a:ea typeface="Cy Grotesk Wide"/>
-                <a:cs typeface="Cy Grotesk Wide"/>
-                <a:sym typeface="Cy Grotesk Wide"/>
-              </a:rPr>
-              <a:t>Points per correct answer: 8–15</a:t>
-            </a:r>
-          </a:p>
-          <a:p>
-            <a:pPr marL="589890" lvl="1" indent="-294945" algn="just">
-              <a:lnSpc>
-                <a:spcPts val="2732"/>
-              </a:lnSpc>
-              <a:buFont typeface="Arial"/>
-              <a:buChar char="•"/>
-            </a:pPr>
-            <a:r>
-              <a:rPr lang="en-US" sz="2732">
-                <a:solidFill>
-                  <a:srgbClr val="3C6CA8"/>
-                </a:solidFill>
-                <a:latin typeface="Cy Grotesk Wide"/>
-                <a:ea typeface="Cy Grotesk Wide"/>
-                <a:cs typeface="Cy Grotesk Wide"/>
-                <a:sym typeface="Cy Grotesk Wide"/>
-              </a:rPr>
-              <a:t>Task types: addition, subtraction, multiplication (up to 10×10), and integer division</a:t>
-            </a:r>
-          </a:p>
-          <a:p>
-            <a:pPr marL="589890" lvl="1" indent="-294945" algn="just">
-              <a:lnSpc>
-                <a:spcPts val="2732"/>
-              </a:lnSpc>
-              <a:buFont typeface="Arial"/>
-              <a:buChar char="•"/>
-            </a:pPr>
-            <a:r>
-              <a:rPr lang="en-US" sz="2732">
-                <a:solidFill>
-                  <a:srgbClr val="3C6CA8"/>
-                </a:solidFill>
-                <a:latin typeface="Cy Grotesk Wide"/>
-                <a:ea typeface="Cy Grotesk Wide"/>
-                <a:cs typeface="Cy Grotesk Wide"/>
-                <a:sym typeface="Cy Grotesk Wide"/>
-              </a:rPr>
-              <a:t>Special cells:</a:t>
-            </a:r>
-          </a:p>
-          <a:p>
-            <a:pPr marL="589890" lvl="1" indent="-294945" algn="just">
-              <a:lnSpc>
-                <a:spcPts val="2732"/>
-              </a:lnSpc>
-              <a:buFont typeface="Arial"/>
-              <a:buChar char="•"/>
-            </a:pPr>
-            <a:r>
-              <a:rPr lang="en-US" sz="2732">
-                <a:solidFill>
-                  <a:srgbClr val="3C6CA8"/>
-                </a:solidFill>
-                <a:latin typeface="Cy Grotesk Wide"/>
-                <a:ea typeface="Cy Grotesk Wide"/>
-                <a:cs typeface="Cy Grotesk Wide"/>
-                <a:sym typeface="Cy Grotesk Wide"/>
-              </a:rPr>
-              <a:t>Cells that give an extra life</a:t>
-            </a:r>
-          </a:p>
-          <a:p>
-            <a:pPr marL="589890" lvl="1" indent="-294945" algn="just">
-              <a:lnSpc>
-                <a:spcPts val="2732"/>
-              </a:lnSpc>
-              <a:buFont typeface="Arial"/>
-              <a:buChar char="•"/>
-            </a:pPr>
-            <a:r>
-              <a:rPr lang="en-US" sz="2732">
-                <a:solidFill>
-                  <a:srgbClr val="3C6CA8"/>
-                </a:solidFill>
-                <a:latin typeface="Cy Grotesk Wide"/>
-                <a:ea typeface="Cy Grotesk Wide"/>
-                <a:cs typeface="Cy Grotesk Wide"/>
-                <a:sym typeface="Cy Grotesk Wide"/>
-              </a:rPr>
-              <a:t>Bonus cells that award double points</a:t>
-            </a:r>
-          </a:p>
-          <a:p>
-            <a:pPr algn="just">
-              <a:lnSpc>
-                <a:spcPts val="2732"/>
-              </a:lnSpc>
-            </a:pPr>
-            <a:endParaRPr lang="en-US" sz="2732">
-              <a:solidFill>
-                <a:srgbClr val="3C6CA8"/>
-              </a:solidFill>
-              <a:latin typeface="Cy Grotesk Wide"/>
-              <a:ea typeface="Cy Grotesk Wide"/>
-              <a:cs typeface="Cy Grotesk Wide"/>
-              <a:sym typeface="Cy Grotesk Wide"/>
-            </a:endParaRPr>
-          </a:p>
-        </p:txBody>
-      </p:sp>
-      <p:sp>
-        <p:nvSpPr>
-          <p:cNvPr id="6" name="TextBox 6"/>
-          <p:cNvSpPr txBox="1"/>
-          <p:nvPr/>
-        </p:nvSpPr>
-        <p:spPr>
-          <a:xfrm>
-            <a:off x="1494431" y="2771259"/>
-            <a:ext cx="15515310" cy="1104900"/>
-          </a:xfrm>
-          <a:prstGeom prst="rect">
-            <a:avLst/>
-          </a:prstGeom>
-        </p:spPr>
-        <p:txBody>
-          <a:bodyPr lIns="0" tIns="0" rIns="0" bIns="0" rtlCol="0" anchor="t">
-            <a:spAutoFit/>
-          </a:bodyPr>
-          <a:lstStyle/>
-          <a:p>
-            <a:pPr algn="ctr">
-              <a:lnSpc>
-                <a:spcPts val="8400"/>
-              </a:lnSpc>
-            </a:pPr>
-            <a:r>
-              <a:rPr lang="en-US" sz="6000" b="1" spc="714">
-                <a:solidFill>
-                  <a:srgbClr val="3C6CA8"/>
-                </a:solidFill>
-                <a:latin typeface="Lastica Bold"/>
-                <a:ea typeface="Lastica Bold"/>
-                <a:cs typeface="Lastica Bold"/>
-                <a:sym typeface="Lastica Bold"/>
-              </a:rPr>
-              <a:t>Normal Mode</a:t>
-            </a:r>
-          </a:p>
-        </p:txBody>
-      </p:sp>
-    </p:spTree>
-  </p:cSld>
-  <p:clrMapOvr>
-    <a:masterClrMapping/>
-  </p:clrMapOvr>
-  <mc:AlternateContent xmlns:mc="http://schemas.openxmlformats.org/markup-compatibility/2006" xmlns:p159="http://schemas.microsoft.com/office/powerpoint/2015/09/main">
-    <mc:Choice Requires="p159">
-      <p:transition xmlns:p14="http://schemas.microsoft.com/office/powerpoint/2010/main" spd="slow" p14:dur="2000">
-        <p159:morph option="byWord"/>
-      </p:transition>
-    </mc:Choice>
-    <mc:Fallback xmlns="">
-      <p:transition spd="slow">
-        <p:fade/>
-      </p:transition>
-    </mc:Fallback>
-  </mc:AlternateContent>
-</p:sld>
-</file>
-
-<file path=ppt/slides/slide6.xml><?xml version="1.0" encoding="utf-8"?>
-<p:sld xmlns:a="http://schemas.openxmlformats.org/drawingml/2006/main" xmlns:r="http://schemas.openxmlformats.org/officeDocument/2006/relationships" xmlns:p="http://schemas.openxmlformats.org/presentationml/2006/main">
-  <p:cSld>
-    <p:bg>
-      <p:bgPr>
-        <a:solidFill>
-          <a:srgbClr val="FFFCF6"/>
-        </a:solidFill>
-        <a:effectLst/>
-      </p:bgPr>
-    </p:bg>
-    <p:spTree>
-      <p:nvGrpSpPr>
-        <p:cNvPr id="1" name=""/>
-        <p:cNvGrpSpPr/>
-        <p:nvPr/>
-      </p:nvGrpSpPr>
-      <p:grpSpPr>
-        <a:xfrm>
-          <a:off x="0" y="0"/>
-          <a:ext cx="0" cy="0"/>
-          <a:chOff x="0" y="0"/>
-          <a:chExt cx="0" cy="0"/>
-        </a:xfrm>
-      </p:grpSpPr>
-      <p:sp>
-        <p:nvSpPr>
-          <p:cNvPr id="2" name="Freeform 2"/>
-          <p:cNvSpPr/>
-          <p:nvPr/>
-        </p:nvSpPr>
-        <p:spPr>
-          <a:xfrm>
-            <a:off x="-1357342" y="4581047"/>
-            <a:ext cx="8734653" cy="8996365"/>
-          </a:xfrm>
-          <a:custGeom>
-            <a:avLst/>
-            <a:gdLst/>
-            <a:ahLst/>
-            <a:cxnLst/>
-            <a:rect l="l" t="t" r="r" b="b"/>
-            <a:pathLst>
-              <a:path w="8734653" h="8996365">
-                <a:moveTo>
-                  <a:pt x="0" y="0"/>
-                </a:moveTo>
-                <a:lnTo>
-                  <a:pt x="8734652" y="0"/>
-                </a:lnTo>
-                <a:lnTo>
-                  <a:pt x="8734652" y="8996366"/>
-                </a:lnTo>
-                <a:lnTo>
-                  <a:pt x="0" y="8996366"/>
-                </a:lnTo>
-                <a:lnTo>
-                  <a:pt x="0" y="0"/>
-                </a:lnTo>
-                <a:close/>
-              </a:path>
-            </a:pathLst>
-          </a:custGeom>
-          <a:blipFill>
-            <a:blip r:embed="rId2">
-              <a:extLst>
-                <a:ext uri="{96DAC541-7B7A-43D3-8B79-37D633B846F1}">
-                  <asvg:svgBlip xmlns:asvg="http://schemas.microsoft.com/office/drawing/2016/SVG/main" r:embed="rId3"/>
-                </a:ext>
-              </a:extLst>
-            </a:blip>
-            <a:stretch>
-              <a:fillRect/>
-            </a:stretch>
-          </a:blipFill>
-        </p:spPr>
-        <p:txBody>
-          <a:bodyPr/>
-          <a:lstStyle/>
-          <a:p>
-            <a:endParaRPr lang="bg-BG"/>
-          </a:p>
-        </p:txBody>
-      </p:sp>
-      <p:sp>
-        <p:nvSpPr>
-          <p:cNvPr id="3" name="Freeform 3"/>
-          <p:cNvSpPr/>
-          <p:nvPr/>
-        </p:nvSpPr>
-        <p:spPr>
-          <a:xfrm>
-            <a:off x="12891974" y="-5120206"/>
-            <a:ext cx="8734653" cy="8996365"/>
-          </a:xfrm>
-          <a:custGeom>
-            <a:avLst/>
-            <a:gdLst/>
-            <a:ahLst/>
-            <a:cxnLst/>
-            <a:rect l="l" t="t" r="r" b="b"/>
-            <a:pathLst>
-              <a:path w="8734653" h="8996365">
-                <a:moveTo>
-                  <a:pt x="0" y="0"/>
-                </a:moveTo>
-                <a:lnTo>
-                  <a:pt x="8734652" y="0"/>
-                </a:lnTo>
-                <a:lnTo>
-                  <a:pt x="8734652" y="8996365"/>
-                </a:lnTo>
-                <a:lnTo>
-                  <a:pt x="0" y="8996365"/>
-                </a:lnTo>
-                <a:lnTo>
-                  <a:pt x="0" y="0"/>
-                </a:lnTo>
-                <a:close/>
-              </a:path>
-            </a:pathLst>
-          </a:custGeom>
-          <a:blipFill>
-            <a:blip r:embed="rId4">
-              <a:extLst>
-                <a:ext uri="{96DAC541-7B7A-43D3-8B79-37D633B846F1}">
-                  <asvg:svgBlip xmlns:asvg="http://schemas.microsoft.com/office/drawing/2016/SVG/main" r:embed="rId5"/>
-                </a:ext>
-              </a:extLst>
-            </a:blip>
-            <a:stretch>
-              <a:fillRect/>
-            </a:stretch>
-          </a:blipFill>
-        </p:spPr>
-        <p:txBody>
-          <a:bodyPr/>
-          <a:lstStyle/>
-          <a:p>
-            <a:endParaRPr lang="bg-BG"/>
-          </a:p>
-        </p:txBody>
-      </p:sp>
-      <p:sp>
-        <p:nvSpPr>
-          <p:cNvPr id="4" name="Freeform 4"/>
-          <p:cNvSpPr/>
-          <p:nvPr/>
-        </p:nvSpPr>
-        <p:spPr>
-          <a:xfrm>
-            <a:off x="0" y="0"/>
-            <a:ext cx="2838804" cy="2838804"/>
-          </a:xfrm>
-          <a:custGeom>
-            <a:avLst/>
-            <a:gdLst/>
-            <a:ahLst/>
-            <a:cxnLst/>
-            <a:rect l="l" t="t" r="r" b="b"/>
-            <a:pathLst>
-              <a:path w="2838804" h="2838804">
-                <a:moveTo>
-                  <a:pt x="0" y="0"/>
-                </a:moveTo>
-                <a:lnTo>
-                  <a:pt x="2838804" y="0"/>
-                </a:lnTo>
-                <a:lnTo>
-                  <a:pt x="2838804" y="2838804"/>
-                </a:lnTo>
-                <a:lnTo>
-                  <a:pt x="0" y="2838804"/>
-                </a:lnTo>
-                <a:lnTo>
-                  <a:pt x="0" y="0"/>
-                </a:lnTo>
-                <a:close/>
-              </a:path>
-            </a:pathLst>
-          </a:custGeom>
-          <a:blipFill>
-            <a:blip r:embed="rId6"/>
-            <a:stretch>
-              <a:fillRect/>
-            </a:stretch>
-          </a:blipFill>
-        </p:spPr>
-        <p:txBody>
-          <a:bodyPr/>
-          <a:lstStyle/>
-          <a:p>
-            <a:endParaRPr lang="bg-BG"/>
-          </a:p>
-        </p:txBody>
-      </p:sp>
-      <p:sp>
-        <p:nvSpPr>
-          <p:cNvPr id="5" name="TextBox 5"/>
-          <p:cNvSpPr txBox="1"/>
-          <p:nvPr/>
-        </p:nvSpPr>
-        <p:spPr>
-          <a:xfrm>
-            <a:off x="7694072" y="5191125"/>
-            <a:ext cx="9902028" cy="4822374"/>
-          </a:xfrm>
-          <a:prstGeom prst="rect">
-            <a:avLst/>
-          </a:prstGeom>
-        </p:spPr>
-        <p:txBody>
-          <a:bodyPr lIns="0" tIns="0" rIns="0" bIns="0" rtlCol="0" anchor="t">
-            <a:spAutoFit/>
-          </a:bodyPr>
-          <a:lstStyle/>
-          <a:p>
-            <a:pPr marL="589890" lvl="1" indent="-294945" algn="just">
-              <a:lnSpc>
-                <a:spcPts val="2732"/>
-              </a:lnSpc>
-              <a:buFont typeface="Arial"/>
-              <a:buChar char="•"/>
-            </a:pPr>
-            <a:r>
-              <a:rPr lang="en-US" sz="2732">
-                <a:solidFill>
-                  <a:srgbClr val="3C6CA8"/>
-                </a:solidFill>
-                <a:latin typeface="Cy Grotesk Wide"/>
-                <a:ea typeface="Cy Grotesk Wide"/>
-                <a:cs typeface="Cy Grotesk Wide"/>
-                <a:sym typeface="Cy Grotesk Wide"/>
-              </a:rPr>
-              <a:t>Grid size: 7×7</a:t>
-            </a:r>
-          </a:p>
-          <a:p>
-            <a:pPr marL="589890" lvl="1" indent="-294945" algn="just">
-              <a:lnSpc>
-                <a:spcPts val="2732"/>
-              </a:lnSpc>
-              <a:buFont typeface="Arial"/>
-              <a:buChar char="•"/>
-            </a:pPr>
-            <a:r>
-              <a:rPr lang="en-US" sz="2732">
-                <a:solidFill>
-                  <a:srgbClr val="3C6CA8"/>
-                </a:solidFill>
-                <a:latin typeface="Cy Grotesk Wide"/>
-                <a:ea typeface="Cy Grotesk Wide"/>
-                <a:cs typeface="Cy Grotesk Wide"/>
-                <a:sym typeface="Cy Grotesk Wide"/>
-              </a:rPr>
-              <a:t>Lives: 2</a:t>
-            </a:r>
-          </a:p>
-          <a:p>
-            <a:pPr marL="589890" lvl="1" indent="-294945" algn="just">
-              <a:lnSpc>
-                <a:spcPts val="2732"/>
-              </a:lnSpc>
-              <a:buFont typeface="Arial"/>
-              <a:buChar char="•"/>
-            </a:pPr>
-            <a:r>
-              <a:rPr lang="en-US" sz="2732">
-                <a:solidFill>
-                  <a:srgbClr val="3C6CA8"/>
-                </a:solidFill>
-                <a:latin typeface="Cy Grotesk Wide"/>
-                <a:ea typeface="Cy Grotesk Wide"/>
-                <a:cs typeface="Cy Grotesk Wide"/>
-                <a:sym typeface="Cy Grotesk Wide"/>
-              </a:rPr>
-              <a:t>Points per correct answer: 10–25</a:t>
-            </a:r>
-          </a:p>
-          <a:p>
-            <a:pPr marL="589890" lvl="1" indent="-294945" algn="just">
-              <a:lnSpc>
-                <a:spcPts val="2732"/>
-              </a:lnSpc>
-              <a:buFont typeface="Arial"/>
-              <a:buChar char="•"/>
-            </a:pPr>
-            <a:r>
-              <a:rPr lang="en-US" sz="2732">
-                <a:solidFill>
-                  <a:srgbClr val="3C6CA8"/>
-                </a:solidFill>
-                <a:latin typeface="Cy Grotesk Wide"/>
-                <a:ea typeface="Cy Grotesk Wide"/>
-                <a:cs typeface="Cy Grotesk Wide"/>
-                <a:sym typeface="Cy Grotesk Wide"/>
-              </a:rPr>
-              <a:t>Task types:</a:t>
-            </a:r>
-          </a:p>
-          <a:p>
-            <a:pPr marL="589890" lvl="1" indent="-294945" algn="just">
-              <a:lnSpc>
-                <a:spcPts val="2732"/>
-              </a:lnSpc>
-              <a:buFont typeface="Arial"/>
-              <a:buChar char="•"/>
-            </a:pPr>
-            <a:r>
-              <a:rPr lang="en-US" sz="2732">
-                <a:solidFill>
-                  <a:srgbClr val="3C6CA8"/>
-                </a:solidFill>
-                <a:latin typeface="Cy Grotesk Wide"/>
-                <a:ea typeface="Cy Grotesk Wide"/>
-                <a:cs typeface="Cy Grotesk Wide"/>
-                <a:sym typeface="Cy Grotesk Wide"/>
-              </a:rPr>
-              <a:t>All tasks from Normal mode</a:t>
-            </a:r>
-          </a:p>
-          <a:p>
-            <a:pPr marL="589890" lvl="1" indent="-294945" algn="just">
-              <a:lnSpc>
-                <a:spcPts val="2732"/>
-              </a:lnSpc>
-              <a:buFont typeface="Arial"/>
-              <a:buChar char="•"/>
-            </a:pPr>
-            <a:r>
-              <a:rPr lang="en-US" sz="2732">
-                <a:solidFill>
-                  <a:srgbClr val="3C6CA8"/>
-                </a:solidFill>
-                <a:latin typeface="Cy Grotesk Wide"/>
-                <a:ea typeface="Cy Grotesk Wide"/>
-                <a:cs typeface="Cy Grotesk Wide"/>
-                <a:sym typeface="Cy Grotesk Wide"/>
-              </a:rPr>
-              <a:t>Mixed expressions (for example: 13×3 minus 4, or 50 divided by 5 plus 6)</a:t>
-            </a:r>
-          </a:p>
-          <a:p>
-            <a:pPr marL="589890" lvl="1" indent="-294945" algn="just">
-              <a:lnSpc>
-                <a:spcPts val="2732"/>
-              </a:lnSpc>
-              <a:buFont typeface="Arial"/>
-              <a:buChar char="•"/>
-            </a:pPr>
-            <a:r>
-              <a:rPr lang="en-US" sz="2732">
-                <a:solidFill>
-                  <a:srgbClr val="3C6CA8"/>
-                </a:solidFill>
-                <a:latin typeface="Cy Grotesk Wide"/>
-                <a:ea typeface="Cy Grotesk Wide"/>
-                <a:cs typeface="Cy Grotesk Wide"/>
-                <a:sym typeface="Cy Grotesk Wide"/>
-              </a:rPr>
-              <a:t>Square numbers</a:t>
-            </a:r>
-          </a:p>
-          <a:p>
-            <a:pPr marL="589890" lvl="1" indent="-294945" algn="just">
-              <a:lnSpc>
-                <a:spcPts val="2732"/>
-              </a:lnSpc>
-              <a:buFont typeface="Arial"/>
-              <a:buChar char="•"/>
-            </a:pPr>
-            <a:r>
-              <a:rPr lang="en-US" sz="2732">
-                <a:solidFill>
-                  <a:srgbClr val="3C6CA8"/>
-                </a:solidFill>
-                <a:latin typeface="Cy Grotesk Wide"/>
-                <a:ea typeface="Cy Grotesk Wide"/>
-                <a:cs typeface="Cy Grotesk Wide"/>
-                <a:sym typeface="Cy Grotesk Wide"/>
-              </a:rPr>
-              <a:t>Modulo operations</a:t>
-            </a:r>
-          </a:p>
-          <a:p>
-            <a:pPr marL="589890" lvl="1" indent="-294945" algn="just">
-              <a:lnSpc>
-                <a:spcPts val="2732"/>
-              </a:lnSpc>
-              <a:buFont typeface="Arial"/>
-              <a:buChar char="•"/>
-            </a:pPr>
-            <a:r>
-              <a:rPr lang="en-US" sz="2732">
-                <a:solidFill>
-                  <a:srgbClr val="3C6CA8"/>
-                </a:solidFill>
-                <a:latin typeface="Cy Grotesk Wide"/>
-                <a:ea typeface="Cy Grotesk Wide"/>
-                <a:cs typeface="Cy Grotesk Wide"/>
-                <a:sym typeface="Cy Grotesk Wide"/>
-              </a:rPr>
-              <a:t>Trap cells:</a:t>
-            </a:r>
-          </a:p>
-          <a:p>
-            <a:pPr marL="589890" lvl="1" indent="-294945" algn="just">
-              <a:lnSpc>
-                <a:spcPts val="2732"/>
-              </a:lnSpc>
-              <a:buFont typeface="Arial"/>
-              <a:buChar char="•"/>
-            </a:pPr>
-            <a:r>
-              <a:rPr lang="en-US" sz="2732">
-                <a:solidFill>
-                  <a:srgbClr val="3C6CA8"/>
-                </a:solidFill>
-                <a:latin typeface="Cy Grotesk Wide"/>
-                <a:ea typeface="Cy Grotesk Wide"/>
-                <a:cs typeface="Cy Grotesk Wide"/>
-                <a:sym typeface="Cy Grotesk Wide"/>
-              </a:rPr>
-              <a:t>Trigger an additional task</a:t>
-            </a:r>
-          </a:p>
-          <a:p>
-            <a:pPr marL="589890" lvl="1" indent="-294945" algn="just">
-              <a:lnSpc>
-                <a:spcPts val="2732"/>
-              </a:lnSpc>
-              <a:buFont typeface="Arial"/>
-              <a:buChar char="•"/>
-            </a:pPr>
-            <a:r>
-              <a:rPr lang="en-US" sz="2732">
-                <a:solidFill>
-                  <a:srgbClr val="3C6CA8"/>
-                </a:solidFill>
-                <a:latin typeface="Cy Grotesk Wide"/>
-                <a:ea typeface="Cy Grotesk Wide"/>
-                <a:cs typeface="Cy Grotesk Wide"/>
-                <a:sym typeface="Cy Grotesk Wide"/>
-              </a:rPr>
-              <a:t>A wrong answer inside a trap cell costs two lives</a:t>
-            </a:r>
-          </a:p>
-          <a:p>
-            <a:pPr algn="just">
-              <a:lnSpc>
-                <a:spcPts val="2732"/>
-              </a:lnSpc>
-            </a:pPr>
-            <a:endParaRPr lang="en-US" sz="2732">
-              <a:solidFill>
-                <a:srgbClr val="3C6CA8"/>
-              </a:solidFill>
-              <a:latin typeface="Cy Grotesk Wide"/>
-              <a:ea typeface="Cy Grotesk Wide"/>
-              <a:cs typeface="Cy Grotesk Wide"/>
-              <a:sym typeface="Cy Grotesk Wide"/>
-            </a:endParaRPr>
-          </a:p>
-        </p:txBody>
-      </p:sp>
-      <p:sp>
-        <p:nvSpPr>
-          <p:cNvPr id="6" name="TextBox 6"/>
-          <p:cNvSpPr txBox="1"/>
-          <p:nvPr/>
-        </p:nvSpPr>
-        <p:spPr>
-          <a:xfrm>
-            <a:off x="1494431" y="2771259"/>
-            <a:ext cx="15515310" cy="1104900"/>
-          </a:xfrm>
-          <a:prstGeom prst="rect">
-            <a:avLst/>
-          </a:prstGeom>
-        </p:spPr>
-        <p:txBody>
-          <a:bodyPr lIns="0" tIns="0" rIns="0" bIns="0" rtlCol="0" anchor="t">
-            <a:spAutoFit/>
-          </a:bodyPr>
-          <a:lstStyle/>
-          <a:p>
-            <a:pPr algn="ctr">
-              <a:lnSpc>
-                <a:spcPts val="8400"/>
-              </a:lnSpc>
-            </a:pPr>
-            <a:r>
-              <a:rPr lang="en-US" sz="6000" b="1" spc="714">
-                <a:solidFill>
-                  <a:srgbClr val="3C6CA8"/>
-                </a:solidFill>
-                <a:latin typeface="Lastica Bold"/>
-                <a:ea typeface="Lastica Bold"/>
-                <a:cs typeface="Lastica Bold"/>
-                <a:sym typeface="Lastica Bold"/>
-              </a:rPr>
-              <a:t>Hard Mode</a:t>
-            </a:r>
-          </a:p>
-        </p:txBody>
-      </p:sp>
-    </p:spTree>
-  </p:cSld>
-  <p:clrMapOvr>
-    <a:masterClrMapping/>
-  </p:clrMapOvr>
-  <mc:AlternateContent xmlns:mc="http://schemas.openxmlformats.org/markup-compatibility/2006" xmlns:p159="http://schemas.microsoft.com/office/powerpoint/2015/09/main">
-    <mc:Choice Requires="p159">
-      <p:transition xmlns:p14="http://schemas.microsoft.com/office/powerpoint/2010/main" spd="slow" p14:dur="2000">
-        <p159:morph option="byWord"/>
-      </p:transition>
-    </mc:Choice>
-    <mc:Fallback xmlns="">
-      <p:transition spd="slow">
-        <p:fade/>
-      </p:transition>
-    </mc:Fallback>
-  </mc:AlternateContent>
-</p:sld>
-</file>
-
-<file path=ppt/slides/slide7.xml><?xml version="1.0" encoding="utf-8"?>
-<p:sld xmlns:a="http://schemas.openxmlformats.org/drawingml/2006/main" xmlns:r="http://schemas.openxmlformats.org/officeDocument/2006/relationships" xmlns:p="http://schemas.openxmlformats.org/presentationml/2006/main">
-  <p:cSld>
-    <p:bg>
-      <p:bgPr>
-        <a:solidFill>
-          <a:srgbClr val="FFFCF6"/>
-        </a:solidFill>
-        <a:effectLst/>
-      </p:bgPr>
-    </p:bg>
-    <p:spTree>
-      <p:nvGrpSpPr>
-        <p:cNvPr id="1" name=""/>
-        <p:cNvGrpSpPr/>
-        <p:nvPr/>
-      </p:nvGrpSpPr>
-      <p:grpSpPr>
-        <a:xfrm>
-          <a:off x="0" y="0"/>
-          <a:ext cx="0" cy="0"/>
-          <a:chOff x="0" y="0"/>
-          <a:chExt cx="0" cy="0"/>
-        </a:xfrm>
-      </p:grpSpPr>
-      <p:sp>
-        <p:nvSpPr>
-          <p:cNvPr id="2" name="Freeform 2"/>
-          <p:cNvSpPr/>
-          <p:nvPr/>
-        </p:nvSpPr>
-        <p:spPr>
-          <a:xfrm>
-            <a:off x="-1357342" y="4581047"/>
-            <a:ext cx="8734653" cy="8996365"/>
-          </a:xfrm>
-          <a:custGeom>
-            <a:avLst/>
-            <a:gdLst/>
-            <a:ahLst/>
-            <a:cxnLst/>
-            <a:rect l="l" t="t" r="r" b="b"/>
-            <a:pathLst>
-              <a:path w="8734653" h="8996365">
-                <a:moveTo>
-                  <a:pt x="0" y="0"/>
-                </a:moveTo>
-                <a:lnTo>
-                  <a:pt x="8734652" y="0"/>
-                </a:lnTo>
-                <a:lnTo>
-                  <a:pt x="8734652" y="8996366"/>
-                </a:lnTo>
-                <a:lnTo>
-                  <a:pt x="0" y="8996366"/>
-                </a:lnTo>
-                <a:lnTo>
-                  <a:pt x="0" y="0"/>
-                </a:lnTo>
-                <a:close/>
-              </a:path>
-            </a:pathLst>
-          </a:custGeom>
-          <a:blipFill>
-            <a:blip r:embed="rId2">
-              <a:extLst>
-                <a:ext uri="{96DAC541-7B7A-43D3-8B79-37D633B846F1}">
-                  <asvg:svgBlip xmlns:asvg="http://schemas.microsoft.com/office/drawing/2016/SVG/main" r:embed="rId3"/>
-                </a:ext>
-              </a:extLst>
-            </a:blip>
-            <a:stretch>
-              <a:fillRect/>
-            </a:stretch>
-          </a:blipFill>
-        </p:spPr>
-        <p:txBody>
-          <a:bodyPr/>
-          <a:lstStyle/>
-          <a:p>
-            <a:endParaRPr lang="bg-BG"/>
-          </a:p>
-        </p:txBody>
-      </p:sp>
-      <p:sp>
-        <p:nvSpPr>
-          <p:cNvPr id="3" name="Freeform 3"/>
-          <p:cNvSpPr/>
-          <p:nvPr/>
-        </p:nvSpPr>
-        <p:spPr>
-          <a:xfrm>
-            <a:off x="12891974" y="-5120206"/>
-            <a:ext cx="8734653" cy="8996365"/>
-          </a:xfrm>
-          <a:custGeom>
-            <a:avLst/>
-            <a:gdLst/>
-            <a:ahLst/>
-            <a:cxnLst/>
-            <a:rect l="l" t="t" r="r" b="b"/>
-            <a:pathLst>
-              <a:path w="8734653" h="8996365">
-                <a:moveTo>
-                  <a:pt x="0" y="0"/>
-                </a:moveTo>
-                <a:lnTo>
-                  <a:pt x="8734652" y="0"/>
-                </a:lnTo>
-                <a:lnTo>
-                  <a:pt x="8734652" y="8996365"/>
-                </a:lnTo>
-                <a:lnTo>
-                  <a:pt x="0" y="8996365"/>
-                </a:lnTo>
-                <a:lnTo>
-                  <a:pt x="0" y="0"/>
-                </a:lnTo>
-                <a:close/>
-              </a:path>
-            </a:pathLst>
-          </a:custGeom>
-          <a:blipFill>
-            <a:blip r:embed="rId4">
-              <a:extLst>
-                <a:ext uri="{96DAC541-7B7A-43D3-8B79-37D633B846F1}">
-                  <asvg:svgBlip xmlns:asvg="http://schemas.microsoft.com/office/drawing/2016/SVG/main" r:embed="rId5"/>
-                </a:ext>
-              </a:extLst>
-            </a:blip>
-            <a:stretch>
-              <a:fillRect/>
-            </a:stretch>
-          </a:blipFill>
-        </p:spPr>
-        <p:txBody>
-          <a:bodyPr/>
-          <a:lstStyle/>
-          <a:p>
-            <a:endParaRPr lang="bg-BG"/>
-          </a:p>
-        </p:txBody>
-      </p:sp>
-      <p:sp>
-        <p:nvSpPr>
-          <p:cNvPr id="4" name="Freeform 4"/>
-          <p:cNvSpPr/>
-          <p:nvPr/>
-        </p:nvSpPr>
-        <p:spPr>
-          <a:xfrm>
-            <a:off x="0" y="0"/>
-            <a:ext cx="2838804" cy="2838804"/>
-          </a:xfrm>
-          <a:custGeom>
-            <a:avLst/>
-            <a:gdLst/>
-            <a:ahLst/>
-            <a:cxnLst/>
-            <a:rect l="l" t="t" r="r" b="b"/>
-            <a:pathLst>
-              <a:path w="2838804" h="2838804">
-                <a:moveTo>
-                  <a:pt x="0" y="0"/>
-                </a:moveTo>
-                <a:lnTo>
-                  <a:pt x="2838804" y="0"/>
-                </a:lnTo>
-                <a:lnTo>
-                  <a:pt x="2838804" y="2838804"/>
-                </a:lnTo>
-                <a:lnTo>
-                  <a:pt x="0" y="2838804"/>
-                </a:lnTo>
-                <a:lnTo>
-                  <a:pt x="0" y="0"/>
-                </a:lnTo>
-                <a:close/>
-              </a:path>
-            </a:pathLst>
-          </a:custGeom>
-          <a:blipFill>
-            <a:blip r:embed="rId6"/>
-            <a:stretch>
-              <a:fillRect/>
-            </a:stretch>
-          </a:blipFill>
-        </p:spPr>
-        <p:txBody>
-          <a:bodyPr/>
-          <a:lstStyle/>
-          <a:p>
-            <a:endParaRPr lang="bg-BG"/>
-          </a:p>
-        </p:txBody>
-      </p:sp>
-      <p:sp>
-        <p:nvSpPr>
-          <p:cNvPr id="5" name="TextBox 5"/>
-          <p:cNvSpPr txBox="1"/>
-          <p:nvPr/>
-        </p:nvSpPr>
-        <p:spPr>
-          <a:xfrm>
-            <a:off x="7735220" y="5890641"/>
-            <a:ext cx="9902028" cy="2079174"/>
-          </a:xfrm>
-          <a:prstGeom prst="rect">
-            <a:avLst/>
-          </a:prstGeom>
-        </p:spPr>
-        <p:txBody>
-          <a:bodyPr lIns="0" tIns="0" rIns="0" bIns="0" rtlCol="0" anchor="t">
-            <a:spAutoFit/>
-          </a:bodyPr>
-          <a:lstStyle/>
-          <a:p>
-            <a:pPr marL="589890" lvl="1" indent="-294945" algn="just">
-              <a:lnSpc>
-                <a:spcPts val="2732"/>
-              </a:lnSpc>
-              <a:buFont typeface="Arial"/>
-              <a:buChar char="•"/>
-            </a:pPr>
-            <a:r>
-              <a:rPr lang="en-US" sz="2732">
-                <a:solidFill>
-                  <a:srgbClr val="3C6CA8"/>
-                </a:solidFill>
-                <a:latin typeface="Cy Grotesk Wide"/>
-                <a:ea typeface="Cy Grotesk Wide"/>
-                <a:cs typeface="Cy Grotesk Wide"/>
-                <a:sym typeface="Cy Grotesk Wide"/>
-              </a:rPr>
-              <a:t>Three difficulty levels with unique rules</a:t>
-            </a:r>
-          </a:p>
-          <a:p>
-            <a:pPr marL="589890" lvl="1" indent="-294945" algn="just">
-              <a:lnSpc>
-                <a:spcPts val="2732"/>
-              </a:lnSpc>
-              <a:buFont typeface="Arial"/>
-              <a:buChar char="•"/>
-            </a:pPr>
-            <a:r>
-              <a:rPr lang="en-US" sz="2732">
-                <a:solidFill>
-                  <a:srgbClr val="3C6CA8"/>
-                </a:solidFill>
-                <a:latin typeface="Cy Grotesk Wide"/>
-                <a:ea typeface="Cy Grotesk Wide"/>
-                <a:cs typeface="Cy Grotesk Wide"/>
-                <a:sym typeface="Cy Grotesk Wide"/>
-              </a:rPr>
-              <a:t>Randomly generated math challenges</a:t>
-            </a:r>
-          </a:p>
-          <a:p>
-            <a:pPr marL="589890" lvl="1" indent="-294945" algn="just">
-              <a:lnSpc>
-                <a:spcPts val="2732"/>
-              </a:lnSpc>
-              <a:buFont typeface="Arial"/>
-              <a:buChar char="•"/>
-            </a:pPr>
-            <a:r>
-              <a:rPr lang="en-US" sz="2732">
-                <a:solidFill>
-                  <a:srgbClr val="3C6CA8"/>
-                </a:solidFill>
-                <a:latin typeface="Cy Grotesk Wide"/>
-                <a:ea typeface="Cy Grotesk Wide"/>
-                <a:cs typeface="Cy Grotesk Wide"/>
-                <a:sym typeface="Cy Grotesk Wide"/>
-              </a:rPr>
-              <a:t>Grid-based movement system</a:t>
-            </a:r>
-          </a:p>
-          <a:p>
-            <a:pPr marL="589890" lvl="1" indent="-294945" algn="just">
-              <a:lnSpc>
-                <a:spcPts val="2732"/>
-              </a:lnSpc>
-              <a:buFont typeface="Arial"/>
-              <a:buChar char="•"/>
-            </a:pPr>
-            <a:r>
-              <a:rPr lang="en-US" sz="2732">
-                <a:solidFill>
-                  <a:srgbClr val="3C6CA8"/>
-                </a:solidFill>
-                <a:latin typeface="Cy Grotesk Wide"/>
-                <a:ea typeface="Cy Grotesk Wide"/>
-                <a:cs typeface="Cy Grotesk Wide"/>
-                <a:sym typeface="Cy Grotesk Wide"/>
-              </a:rPr>
-              <a:t>Lives, points, bonus cells, and traps</a:t>
-            </a:r>
-          </a:p>
-          <a:p>
-            <a:pPr marL="589890" lvl="1" indent="-294945" algn="just">
-              <a:lnSpc>
-                <a:spcPts val="2732"/>
-              </a:lnSpc>
-              <a:buFont typeface="Arial"/>
-              <a:buChar char="•"/>
-            </a:pPr>
-            <a:r>
-              <a:rPr lang="en-US" sz="2732">
-                <a:solidFill>
-                  <a:srgbClr val="3C6CA8"/>
-                </a:solidFill>
-                <a:latin typeface="Cy Grotesk Wide"/>
-                <a:ea typeface="Cy Grotesk Wide"/>
-                <a:cs typeface="Cy Grotesk Wide"/>
-                <a:sym typeface="Cy Grotesk Wide"/>
-              </a:rPr>
-              <a:t>Increasing complexity from Easy to Hard</a:t>
-            </a:r>
-          </a:p>
-          <a:p>
-            <a:pPr algn="just">
-              <a:lnSpc>
-                <a:spcPts val="2732"/>
-              </a:lnSpc>
-            </a:pPr>
-            <a:endParaRPr lang="en-US" sz="2732">
-              <a:solidFill>
-                <a:srgbClr val="3C6CA8"/>
-              </a:solidFill>
-              <a:latin typeface="Cy Grotesk Wide"/>
-              <a:ea typeface="Cy Grotesk Wide"/>
-              <a:cs typeface="Cy Grotesk Wide"/>
-              <a:sym typeface="Cy Grotesk Wide"/>
-            </a:endParaRPr>
-          </a:p>
-        </p:txBody>
-      </p:sp>
-      <p:sp>
-        <p:nvSpPr>
-          <p:cNvPr id="6" name="TextBox 6"/>
-          <p:cNvSpPr txBox="1"/>
-          <p:nvPr/>
-        </p:nvSpPr>
-        <p:spPr>
-          <a:xfrm>
-            <a:off x="1494431" y="2771259"/>
-            <a:ext cx="15515310" cy="1104900"/>
-          </a:xfrm>
-          <a:prstGeom prst="rect">
-            <a:avLst/>
-          </a:prstGeom>
-        </p:spPr>
-        <p:txBody>
-          <a:bodyPr lIns="0" tIns="0" rIns="0" bIns="0" rtlCol="0" anchor="t">
-            <a:spAutoFit/>
-          </a:bodyPr>
-          <a:lstStyle/>
-          <a:p>
-            <a:pPr algn="ctr">
-              <a:lnSpc>
-                <a:spcPts val="8400"/>
-              </a:lnSpc>
-            </a:pPr>
-            <a:r>
-              <a:rPr lang="en-US" sz="6000" b="1" spc="714">
-                <a:solidFill>
-                  <a:srgbClr val="3C6CA8"/>
-                </a:solidFill>
-                <a:latin typeface="Lastica Bold"/>
-                <a:ea typeface="Lastica Bold"/>
-                <a:cs typeface="Lastica Bold"/>
-                <a:sym typeface="Lastica Bold"/>
-              </a:rPr>
-              <a:t>Features</a:t>
-            </a:r>
-          </a:p>
-        </p:txBody>
-      </p:sp>
-    </p:spTree>
-  </p:cSld>
-  <p:clrMapOvr>
-    <a:masterClrMapping/>
-  </p:clrMapOvr>
-  <mc:AlternateContent xmlns:mc="http://schemas.openxmlformats.org/markup-compatibility/2006" xmlns:p159="http://schemas.microsoft.com/office/powerpoint/2015/09/main">
-    <mc:Choice Requires="p159">
-      <p:transition xmlns:p14="http://schemas.microsoft.com/office/powerpoint/2010/main" spd="slow" p14:dur="2000">
-        <p159:morph option="byWord"/>
-      </p:transition>
-    </mc:Choice>
-    <mc:Fallback xmlns="">
-      <p:transition spd="slow">
-        <p:fade/>
-      </p:transition>
-    </mc:Fallback>
-  </mc:AlternateContent>
-</p:sld>
-</file>
-
-<file path=ppt/slides/slide8.xml><?xml version="1.0" encoding="utf-8"?>
 <p:sld xmlns:a="http://schemas.openxmlformats.org/drawingml/2006/main" xmlns:r="http://schemas.openxmlformats.org/officeDocument/2006/relationships" xmlns:p="http://schemas.openxmlformats.org/presentationml/2006/main">
   <p:cSld>
     <p:bg>
@@ -7837,7 +6225,7 @@
 </p:sld>
 </file>
 
-<file path=ppt/slides/slide9.xml><?xml version="1.0" encoding="utf-8"?>
+<file path=ppt/slides/slide6.xml><?xml version="1.0" encoding="utf-8"?>
 <p:sld xmlns:a="http://schemas.openxmlformats.org/drawingml/2006/main" xmlns:r="http://schemas.openxmlformats.org/officeDocument/2006/relationships" xmlns:p="http://schemas.openxmlformats.org/presentationml/2006/main">
   <p:cSld>
     <p:bg>
@@ -8457,6 +6845,263 @@
                 <a:sym typeface="Lastica Bold"/>
               </a:rPr>
               <a:t>Technologies used</a:t>
+            </a:r>
+          </a:p>
+        </p:txBody>
+      </p:sp>
+    </p:spTree>
+  </p:cSld>
+  <p:clrMapOvr>
+    <a:masterClrMapping/>
+  </p:clrMapOvr>
+  <mc:AlternateContent xmlns:mc="http://schemas.openxmlformats.org/markup-compatibility/2006" xmlns:p159="http://schemas.microsoft.com/office/powerpoint/2015/09/main">
+    <mc:Choice Requires="p159">
+      <p:transition xmlns:p14="http://schemas.microsoft.com/office/powerpoint/2010/main" spd="slow" p14:dur="2000">
+        <p159:morph option="byWord"/>
+      </p:transition>
+    </mc:Choice>
+    <mc:Fallback xmlns="">
+      <p:transition spd="slow">
+        <p:fade/>
+      </p:transition>
+    </mc:Fallback>
+  </mc:AlternateContent>
+</p:sld>
+</file>
+
+<file path=ppt/slides/slide7.xml><?xml version="1.0" encoding="utf-8"?>
+<p:sld xmlns:a="http://schemas.openxmlformats.org/drawingml/2006/main" xmlns:r="http://schemas.openxmlformats.org/officeDocument/2006/relationships" xmlns:p="http://schemas.openxmlformats.org/presentationml/2006/main">
+  <p:cSld>
+    <p:bg>
+      <p:bgPr>
+        <a:solidFill>
+          <a:srgbClr val="FFFCF6"/>
+        </a:solidFill>
+        <a:effectLst/>
+      </p:bgPr>
+    </p:bg>
+    <p:spTree>
+      <p:nvGrpSpPr>
+        <p:cNvPr id="1" name=""/>
+        <p:cNvGrpSpPr/>
+        <p:nvPr/>
+      </p:nvGrpSpPr>
+      <p:grpSpPr>
+        <a:xfrm>
+          <a:off x="0" y="0"/>
+          <a:ext cx="0" cy="0"/>
+          <a:chOff x="0" y="0"/>
+          <a:chExt cx="0" cy="0"/>
+        </a:xfrm>
+      </p:grpSpPr>
+      <p:sp>
+        <p:nvSpPr>
+          <p:cNvPr id="2" name="Freeform 2"/>
+          <p:cNvSpPr/>
+          <p:nvPr/>
+        </p:nvSpPr>
+        <p:spPr>
+          <a:xfrm>
+            <a:off x="-1357342" y="4581047"/>
+            <a:ext cx="8734653" cy="8996365"/>
+          </a:xfrm>
+          <a:custGeom>
+            <a:avLst/>
+            <a:gdLst/>
+            <a:ahLst/>
+            <a:cxnLst/>
+            <a:rect l="l" t="t" r="r" b="b"/>
+            <a:pathLst>
+              <a:path w="8734653" h="8996365">
+                <a:moveTo>
+                  <a:pt x="0" y="0"/>
+                </a:moveTo>
+                <a:lnTo>
+                  <a:pt x="8734652" y="0"/>
+                </a:lnTo>
+                <a:lnTo>
+                  <a:pt x="8734652" y="8996366"/>
+                </a:lnTo>
+                <a:lnTo>
+                  <a:pt x="0" y="8996366"/>
+                </a:lnTo>
+                <a:lnTo>
+                  <a:pt x="0" y="0"/>
+                </a:lnTo>
+                <a:close/>
+              </a:path>
+            </a:pathLst>
+          </a:custGeom>
+          <a:blipFill>
+            <a:blip r:embed="rId2">
+              <a:extLst>
+                <a:ext uri="{96DAC541-7B7A-43D3-8B79-37D633B846F1}">
+                  <asvg:svgBlip xmlns:asvg="http://schemas.microsoft.com/office/drawing/2016/SVG/main" r:embed="rId3"/>
+                </a:ext>
+              </a:extLst>
+            </a:blip>
+            <a:stretch>
+              <a:fillRect/>
+            </a:stretch>
+          </a:blipFill>
+        </p:spPr>
+        <p:txBody>
+          <a:bodyPr/>
+          <a:lstStyle/>
+          <a:p>
+            <a:endParaRPr lang="bg-BG"/>
+          </a:p>
+        </p:txBody>
+      </p:sp>
+      <p:sp>
+        <p:nvSpPr>
+          <p:cNvPr id="3" name="Freeform 3"/>
+          <p:cNvSpPr/>
+          <p:nvPr/>
+        </p:nvSpPr>
+        <p:spPr>
+          <a:xfrm>
+            <a:off x="12891974" y="-5120206"/>
+            <a:ext cx="8734653" cy="8996365"/>
+          </a:xfrm>
+          <a:custGeom>
+            <a:avLst/>
+            <a:gdLst/>
+            <a:ahLst/>
+            <a:cxnLst/>
+            <a:rect l="l" t="t" r="r" b="b"/>
+            <a:pathLst>
+              <a:path w="8734653" h="8996365">
+                <a:moveTo>
+                  <a:pt x="0" y="0"/>
+                </a:moveTo>
+                <a:lnTo>
+                  <a:pt x="8734652" y="0"/>
+                </a:lnTo>
+                <a:lnTo>
+                  <a:pt x="8734652" y="8996365"/>
+                </a:lnTo>
+                <a:lnTo>
+                  <a:pt x="0" y="8996365"/>
+                </a:lnTo>
+                <a:lnTo>
+                  <a:pt x="0" y="0"/>
+                </a:lnTo>
+                <a:close/>
+              </a:path>
+            </a:pathLst>
+          </a:custGeom>
+          <a:blipFill>
+            <a:blip r:embed="rId4">
+              <a:extLst>
+                <a:ext uri="{96DAC541-7B7A-43D3-8B79-37D633B846F1}">
+                  <asvg:svgBlip xmlns:asvg="http://schemas.microsoft.com/office/drawing/2016/SVG/main" r:embed="rId5"/>
+                </a:ext>
+              </a:extLst>
+            </a:blip>
+            <a:stretch>
+              <a:fillRect/>
+            </a:stretch>
+          </a:blipFill>
+        </p:spPr>
+        <p:txBody>
+          <a:bodyPr/>
+          <a:lstStyle/>
+          <a:p>
+            <a:endParaRPr lang="bg-BG"/>
+          </a:p>
+        </p:txBody>
+      </p:sp>
+      <p:sp>
+        <p:nvSpPr>
+          <p:cNvPr id="4" name="Freeform 4"/>
+          <p:cNvSpPr/>
+          <p:nvPr/>
+        </p:nvSpPr>
+        <p:spPr>
+          <a:xfrm>
+            <a:off x="0" y="0"/>
+            <a:ext cx="2838804" cy="2838804"/>
+          </a:xfrm>
+          <a:custGeom>
+            <a:avLst/>
+            <a:gdLst/>
+            <a:ahLst/>
+            <a:cxnLst/>
+            <a:rect l="l" t="t" r="r" b="b"/>
+            <a:pathLst>
+              <a:path w="2838804" h="2838804">
+                <a:moveTo>
+                  <a:pt x="0" y="0"/>
+                </a:moveTo>
+                <a:lnTo>
+                  <a:pt x="2838804" y="0"/>
+                </a:lnTo>
+                <a:lnTo>
+                  <a:pt x="2838804" y="2838804"/>
+                </a:lnTo>
+                <a:lnTo>
+                  <a:pt x="0" y="2838804"/>
+                </a:lnTo>
+                <a:lnTo>
+                  <a:pt x="0" y="0"/>
+                </a:lnTo>
+                <a:close/>
+              </a:path>
+            </a:pathLst>
+          </a:custGeom>
+          <a:blipFill>
+            <a:blip r:embed="rId6"/>
+            <a:stretch>
+              <a:fillRect/>
+            </a:stretch>
+          </a:blipFill>
+        </p:spPr>
+        <p:txBody>
+          <a:bodyPr/>
+          <a:lstStyle/>
+          <a:p>
+            <a:endParaRPr lang="bg-BG"/>
+          </a:p>
+        </p:txBody>
+      </p:sp>
+      <p:sp>
+        <p:nvSpPr>
+          <p:cNvPr id="5" name="TextBox 5"/>
+          <p:cNvSpPr txBox="1"/>
+          <p:nvPr/>
+        </p:nvSpPr>
+        <p:spPr>
+          <a:xfrm>
+            <a:off x="2127816" y="2744127"/>
+            <a:ext cx="14032368" cy="3388091"/>
+          </a:xfrm>
+          <a:prstGeom prst="rect">
+            <a:avLst/>
+          </a:prstGeom>
+        </p:spPr>
+        <p:txBody>
+          <a:bodyPr lIns="0" tIns="0" rIns="0" bIns="0" rtlCol="0" anchor="t">
+            <a:spAutoFit/>
+          </a:bodyPr>
+          <a:lstStyle/>
+          <a:p>
+            <a:pPr algn="ctr">
+              <a:lnSpc>
+                <a:spcPts val="13216"/>
+              </a:lnSpc>
+            </a:pPr>
+            <a:r>
+              <a:rPr lang="en-US" sz="9440" b="1" spc="1123">
+                <a:solidFill>
+                  <a:srgbClr val="3C6CA8"/>
+                </a:solidFill>
+                <a:latin typeface="Lastica Bold"/>
+                <a:ea typeface="Lastica Bold"/>
+                <a:cs typeface="Lastica Bold"/>
+                <a:sym typeface="Lastica Bold"/>
+              </a:rPr>
+              <a:t>Thanks for your time!</a:t>
             </a:r>
           </a:p>
         </p:txBody>
